--- a/04-next-steps/next-steps.pptx
+++ b/04-next-steps/next-steps.pptx
@@ -264,7 +264,7 @@
           <a:p>
             <a:fld id="{412A36AD-C140-47B5-A0AA-2808AF1C1C9D}" type="datetimeFigureOut">
               <a:rPr lang="en-AU" smtClean="0"/>
-              <a:t>27/11/2023</a:t>
+              <a:t>28/11/2023</a:t>
             </a:fld>
             <a:endParaRPr lang="en-AU"/>
           </a:p>
@@ -429,7 +429,7 @@
           <a:p>
             <a:fld id="{2763829E-EB69-4A98-9D54-8D6822520B27}" type="datetimeFigureOut">
               <a:rPr lang="en-AU" smtClean="0"/>
-              <a:t>27/11/2023</a:t>
+              <a:t>28/11/2023</a:t>
             </a:fld>
             <a:endParaRPr lang="en-AU"/>
           </a:p>
@@ -10949,13 +10949,13 @@
   <p:clrMapOvr>
     <a:masterClrMapping/>
   </p:clrMapOvr>
-  <mc:AlternateContent xmlns:mc="http://schemas.openxmlformats.org/markup-compatibility/2006">
-    <mc:Choice xmlns:p14="http://schemas.microsoft.com/office/powerpoint/2010/main" Requires="p14">
+  <mc:AlternateContent xmlns:mc="http://schemas.openxmlformats.org/markup-compatibility/2006" xmlns:p14="http://schemas.microsoft.com/office/powerpoint/2010/main">
+    <mc:Choice Requires="p14">
       <p:transition spd="med" p14:dur="700">
         <p:fade/>
       </p:transition>
     </mc:Choice>
-    <mc:Fallback>
+    <mc:Fallback xmlns="">
       <p:transition spd="med">
         <p:fade/>
       </p:transition>
@@ -11583,8 +11583,8 @@
         </p:nvSpPr>
         <p:spPr>
           <a:xfrm>
-            <a:off x="321509" y="6427113"/>
-            <a:ext cx="12039600" cy="430887"/>
+            <a:off x="6248400" y="6595542"/>
+            <a:ext cx="6874709" cy="261610"/>
           </a:xfrm>
           <a:prstGeom prst="rect">
             <a:avLst/>
@@ -11597,6 +11597,7 @@
           </a:bodyPr>
           <a:lstStyle/>
           <a:p>
+            <a:pPr algn="l"/>
             <a:r>
               <a:rPr lang="en-US" sz="1100" dirty="0">
                 <a:latin typeface="Menlo" panose="020B0609030804020204" pitchFamily="49" charset="0"/>
@@ -11605,41 +11606,24 @@
               </a:rPr>
               <a:t>Example: </a:t>
             </a:r>
-            <a:br>
-              <a:rPr lang="en-US" sz="1100" dirty="0">
+            <a:r>
+              <a:rPr lang="en-US" sz="1000" i="0" dirty="0">
+                <a:effectLst/>
                 <a:latin typeface="Menlo" panose="020B0609030804020204" pitchFamily="49" charset="0"/>
                 <a:ea typeface="Menlo" panose="020B0609030804020204" pitchFamily="49" charset="0"/>
                 <a:cs typeface="Menlo" panose="020B0609030804020204" pitchFamily="49" charset="0"/>
+                <a:hlinkClick r:id="rId3">
+                  <a:extLst>
+                    <a:ext uri="{A12FA001-AC4F-418D-AE19-62706E023703}">
+                      <ahyp:hlinkClr xmlns:ahyp="http://schemas.microsoft.com/office/drawing/2018/hyperlinkcolor" val="tx"/>
+                    </a:ext>
+                  </a:extLst>
+                </a:hlinkClick>
               </a:rPr>
-            </a:br>
-            <a:r>
-              <a:rPr lang="en-US" sz="1100" dirty="0">
-                <a:latin typeface="Menlo" panose="020B0609030804020204" pitchFamily="49" charset="0"/>
-                <a:ea typeface="Menlo" panose="020B0609030804020204" pitchFamily="49" charset="0"/>
-                <a:cs typeface="Menlo" panose="020B0609030804020204" pitchFamily="49" charset="0"/>
-                <a:hlinkClick r:id="rId3"/>
-              </a:rPr>
-              <a:t>https://</a:t>
-            </a:r>
-            <a:r>
-              <a:rPr lang="en-US" sz="1100" dirty="0" err="1">
-                <a:latin typeface="Menlo" panose="020B0609030804020204" pitchFamily="49" charset="0"/>
-                <a:ea typeface="Menlo" panose="020B0609030804020204" pitchFamily="49" charset="0"/>
-                <a:cs typeface="Menlo" panose="020B0609030804020204" pitchFamily="49" charset="0"/>
-                <a:hlinkClick r:id="rId3"/>
-              </a:rPr>
-              <a:t>git.dartmouth.edu</a:t>
-            </a:r>
-            <a:r>
-              <a:rPr lang="en-US" sz="1100" dirty="0">
-                <a:latin typeface="Menlo" panose="020B0609030804020204" pitchFamily="49" charset="0"/>
-                <a:ea typeface="Menlo" panose="020B0609030804020204" pitchFamily="49" charset="0"/>
-                <a:cs typeface="Menlo" panose="020B0609030804020204" pitchFamily="49" charset="0"/>
-                <a:hlinkClick r:id="rId3"/>
-              </a:rPr>
-              <a:t>/lib-digital-strategies/RDS/workshops/computational-tools/data-science-project-repo</a:t>
-            </a:r>
-            <a:endParaRPr lang="en-US" sz="1100" dirty="0">
+              <a:t>https://dartgo.org/rds-example-project</a:t>
+            </a:r>
+            <a:endParaRPr lang="en-US" sz="1000" i="0" dirty="0">
+              <a:effectLst/>
               <a:latin typeface="Menlo" panose="020B0609030804020204" pitchFamily="49" charset="0"/>
               <a:ea typeface="Menlo" panose="020B0609030804020204" pitchFamily="49" charset="0"/>
               <a:cs typeface="Menlo" panose="020B0609030804020204" pitchFamily="49" charset="0"/>
@@ -12565,7 +12549,27 @@
               </a:rPr>
               <a:t>Debugging Python in VS Code</a:t>
             </a:r>
-            <a:endParaRPr lang="en-US" dirty="0"/>
+            <a:r>
+              <a:rPr lang="en-US" dirty="0"/>
+              <a:t> </a:t>
+            </a:r>
+            <a:br>
+              <a:rPr lang="en-US" dirty="0"/>
+            </a:br>
+            <a:r>
+              <a:rPr lang="en-US" dirty="0"/>
+              <a:t>(watch </a:t>
+            </a:r>
+            <a:r>
+              <a:rPr lang="en-US" dirty="0">
+                <a:hlinkClick r:id="rId4"/>
+              </a:rPr>
+              <a:t>this space </a:t>
+            </a:r>
+            <a:r>
+              <a:rPr lang="en-US" dirty="0"/>
+              <a:t>for an upcoming workshop on this topic!)</a:t>
+            </a:r>
           </a:p>
           <a:p>
             <a:pPr marL="463550" indent="-455613">
@@ -12575,7 +12579,7 @@
             </a:pPr>
             <a:r>
               <a:rPr lang="en-US" dirty="0">
-                <a:hlinkClick r:id="rId4"/>
+                <a:hlinkClick r:id="rId5"/>
               </a:rPr>
               <a:t>Automatically format your code (and flag potential problems)</a:t>
             </a:r>
@@ -12589,7 +12593,7 @@
             </a:pPr>
             <a:r>
               <a:rPr lang="en-US" dirty="0">
-                <a:hlinkClick r:id="rId5"/>
+                <a:hlinkClick r:id="rId6"/>
               </a:rPr>
               <a:t>More on our Research Guide</a:t>
             </a:r>
@@ -17051,7 +17055,9 @@
         </p:nvSpPr>
         <p:spPr/>
         <p:txBody>
-          <a:bodyPr/>
+          <a:bodyPr>
+            <a:normAutofit fontScale="85000" lnSpcReduction="20000"/>
+          </a:bodyPr>
           <a:lstStyle/>
           <a:p>
             <a:pPr marL="349250" indent="-341313">
@@ -17090,7 +17096,14 @@
             <a:pPr lvl="1"/>
             <a:r>
               <a:rPr lang="en-US" dirty="0"/>
-              <a:t>They can contain a lot of unnecessary features (“bloat”) </a:t>
+              <a:t>They can contain a lot of advanced features or libraries you may not need</a:t>
+            </a:r>
+            <a:br>
+              <a:rPr lang="en-US" dirty="0"/>
+            </a:br>
+            <a:r>
+              <a:rPr lang="en-US" dirty="0"/>
+              <a:t>(Anaconda: 5 GB versus “vanilla” Python: 0.09 GB)</a:t>
             </a:r>
           </a:p>
           <a:p>
@@ -17098,6 +17111,23 @@
             <a:r>
               <a:rPr lang="en-US" dirty="0"/>
               <a:t>They can make it more difficult to understand your programming environment</a:t>
+            </a:r>
+          </a:p>
+          <a:p>
+            <a:pPr marL="346075" indent="-339725">
+              <a:buSzPct val="80000"/>
+              <a:buFont typeface="System Font Regular"/>
+              <a:buChar char="👍"/>
+            </a:pPr>
+            <a:r>
+              <a:rPr lang="en-US" dirty="0">
+                <a:latin typeface="National 2 Medium" panose="020B0504030502020203" pitchFamily="34" charset="77"/>
+              </a:rPr>
+              <a:t>Note: </a:t>
+            </a:r>
+            <a:r>
+              <a:rPr lang="en-US" dirty="0"/>
+              <a:t>If you already have Anaconda installed and are comfortable using it, that’s great, too!</a:t>
             </a:r>
           </a:p>
         </p:txBody>
@@ -17474,6 +17504,67 @@
                                           <p:spTgt spid="2">
                                             <p:txEl>
                                               <p:pRg st="4" end="4"/>
+                                            </p:txEl>
+                                          </p:spTgt>
+                                        </p:tgtEl>
+                                      </p:cBhvr>
+                                    </p:animEffect>
+                                  </p:childTnLst>
+                                </p:cTn>
+                              </p:par>
+                            </p:childTnLst>
+                          </p:cTn>
+                        </p:par>
+                      </p:childTnLst>
+                    </p:cTn>
+                  </p:par>
+                  <p:par>
+                    <p:cTn id="24" fill="hold">
+                      <p:stCondLst>
+                        <p:cond delay="indefinite"/>
+                      </p:stCondLst>
+                      <p:childTnLst>
+                        <p:par>
+                          <p:cTn id="25" fill="hold">
+                            <p:stCondLst>
+                              <p:cond delay="0"/>
+                            </p:stCondLst>
+                            <p:childTnLst>
+                              <p:par>
+                                <p:cTn id="26" presetID="10" presetClass="entr" presetSubtype="0" fill="hold" grpId="0" nodeType="clickEffect">
+                                  <p:stCondLst>
+                                    <p:cond delay="0"/>
+                                  </p:stCondLst>
+                                  <p:childTnLst>
+                                    <p:set>
+                                      <p:cBhvr>
+                                        <p:cTn id="27" dur="1" fill="hold">
+                                          <p:stCondLst>
+                                            <p:cond delay="0"/>
+                                          </p:stCondLst>
+                                        </p:cTn>
+                                        <p:tgtEl>
+                                          <p:spTgt spid="2">
+                                            <p:txEl>
+                                              <p:pRg st="5" end="5"/>
+                                            </p:txEl>
+                                          </p:spTgt>
+                                        </p:tgtEl>
+                                        <p:attrNameLst>
+                                          <p:attrName>style.visibility</p:attrName>
+                                        </p:attrNameLst>
+                                      </p:cBhvr>
+                                      <p:to>
+                                        <p:strVal val="visible"/>
+                                      </p:to>
+                                    </p:set>
+                                    <p:animEffect transition="in" filter="fade">
+                                      <p:cBhvr>
+                                        <p:cTn id="28" dur="500"/>
+                                        <p:tgtEl>
+                                          <p:spTgt spid="2">
+                                            <p:txEl>
+                                              <p:pRg st="5" end="5"/>
                                             </p:txEl>
                                           </p:spTgt>
                                         </p:tgtEl>
@@ -18834,13 +18925,13 @@
   <p:clrMapOvr>
     <a:masterClrMapping/>
   </p:clrMapOvr>
-  <mc:AlternateContent xmlns:mc="http://schemas.openxmlformats.org/markup-compatibility/2006">
-    <mc:Choice xmlns:p14="http://schemas.microsoft.com/office/powerpoint/2010/main" Requires="p14">
+  <mc:AlternateContent xmlns:mc="http://schemas.openxmlformats.org/markup-compatibility/2006" xmlns:p14="http://schemas.microsoft.com/office/powerpoint/2010/main">
+    <mc:Choice Requires="p14">
       <p:transition spd="med" p14:dur="700">
         <p:fade/>
       </p:transition>
     </mc:Choice>
-    <mc:Fallback>
+    <mc:Fallback xmlns="">
       <p:transition spd="med">
         <p:fade/>
       </p:transition>
